--- a/IRE_Final.pptx
+++ b/IRE_Final.pptx
@@ -5996,7 +5996,7 @@
         </p:nvSpPr>
         <p:spPr>
           <a:xfrm>
-            <a:off x="533400" y="228600"/>
+            <a:off x="1103725" y="743300"/>
             <a:ext cx="7467600" cy="762000"/>
           </a:xfrm>
           <a:prstGeom prst="rect">
@@ -6077,7 +6077,7 @@
         </p:nvSpPr>
         <p:spPr>
           <a:xfrm>
-            <a:off x="457200" y="990600"/>
+            <a:off x="838200" y="1936550"/>
             <a:ext cx="7467600" cy="5867400"/>
           </a:xfrm>
           <a:prstGeom prst="rect">
@@ -6146,7 +6146,7 @@
                 <a:cs typeface="Libre Baskerville"/>
                 <a:sym typeface="Libre Baskerville"/>
               </a:rPr>
-              <a:t>It is a bottom up approac. Each observation starts in its own cluster, and pairs of clusters are merged as one moves up the hierarchy.</a:t>
+              <a:t>It is a bottom up approach. Each observation starts in its own cluster, and pairs of clusters are merged as one moves up the hierarchy.</a:t>
             </a:r>
           </a:p>
           <a:p>
@@ -6278,7 +6278,7 @@
         </p:nvSpPr>
         <p:spPr>
           <a:xfrm>
-            <a:off x="533400" y="228600"/>
+            <a:off x="1194475" y="632025"/>
             <a:ext cx="7467600" cy="762000"/>
           </a:xfrm>
           <a:prstGeom prst="rect">
@@ -6335,7 +6335,7 @@
         </p:nvSpPr>
         <p:spPr>
           <a:xfrm>
-            <a:off x="457200" y="990600"/>
+            <a:off x="1194475" y="1908700"/>
             <a:ext cx="7467600" cy="5867400"/>
           </a:xfrm>
           <a:prstGeom prst="rect">
@@ -6373,8 +6373,28 @@
                 <a:cs typeface="Libre Baskerville"/>
                 <a:sym typeface="Libre Baskerville"/>
               </a:rPr>
-              <a:t>One the challenges that we faced was to understand the Output given by the Tool Cluto, which Clusters the given sentences. After which finding the summary of the folder was just a basic implementation of the formula given in the paper.</a:t>
-            </a:r>
+              <a:t>One of the challenges that we faced was to understand the Output given by the Tool Cluto, which Clusters the given sentences. Finding the summary of the folder was just a basic implementation of the formula given in the paper.</a:t>
+            </a:r>
+          </a:p>
+          <a:p>
+            <a:pPr lvl="0" rtl="0">
+              <a:spcBef>
+                <a:spcPts val="0"/>
+              </a:spcBef>
+              <a:buNone/>
+            </a:pPr>
+            <a:r>
+              <a:t/>
+            </a:r>
+            <a:endParaRPr sz="1800">
+              <a:solidFill>
+                <a:schemeClr val="dk1"/>
+              </a:solidFill>
+              <a:latin typeface="Libre Baskerville"/>
+              <a:ea typeface="Libre Baskerville"/>
+              <a:cs typeface="Libre Baskerville"/>
+              <a:sym typeface="Libre Baskerville"/>
+            </a:endParaRPr>
           </a:p>
           <a:p>
             <a:pPr indent="-339725" lvl="0" marL="339725" rtl="0">
@@ -6547,7 +6567,7 @@
                 <a:cs typeface="Libre Baskerville"/>
                 <a:sym typeface="Libre Baskerville"/>
               </a:rPr>
-              <a:t>The values for  λ and  α values for the diversity and coverage measures giving us the submodular function were calculated using a sweep search for the best values of ROGUE scores.</a:t>
+              <a:t>The values for  λ and  α for the diversity and coverage measures giving us the submodular function were calculated using a sweep search for the best values of ROGUE scores.</a:t>
             </a:r>
           </a:p>
           <a:p>
@@ -6912,7 +6932,28 @@
                 <a:cs typeface="Libre Baskerville"/>
                 <a:sym typeface="Libre Baskerville"/>
               </a:rPr>
-              <a:t>We can conclude by saying that K-means and Heirarchical clustering using a weighted consideration for both, the diversity and coverage, gives us the best scores in Text Summarization.</a:t>
+              <a:t>We can conclude by saying that </a:t>
+            </a:r>
+            <a:r>
+              <a:rPr lang="en-US" sz="1800">
+                <a:latin typeface="Libre Baskerville"/>
+                <a:ea typeface="Libre Baskerville"/>
+                <a:cs typeface="Libre Baskerville"/>
+                <a:sym typeface="Libre Baskerville"/>
+              </a:rPr>
+              <a:t>Agglomerative clustering </a:t>
+            </a:r>
+            <a:r>
+              <a:rPr b="0" i="0" lang="en-US" sz="1800" u="none">
+                <a:solidFill>
+                  <a:srgbClr val="000000"/>
+                </a:solidFill>
+                <a:latin typeface="Libre Baskerville"/>
+                <a:ea typeface="Libre Baskerville"/>
+                <a:cs typeface="Libre Baskerville"/>
+                <a:sym typeface="Libre Baskerville"/>
+              </a:rPr>
+              <a:t>using a weighted consideration for both, the diversity and coverage, gives us the best scores in Text Summarization.</a:t>
             </a:r>
           </a:p>
         </p:txBody>
@@ -6932,7 +6973,7 @@
             <a:tbl>
               <a:tblPr>
                 <a:noFill/>
-                <a:tableStyleId>{3676BE28-2472-498F-AD28-0448182A10F8}</a:tableStyleId>
+                <a:tableStyleId>{32C89AD1-82AF-460E-9A5C-8751AC43E4D3}</a:tableStyleId>
               </a:tblPr>
               <a:tblGrid>
                 <a:gridCol w="2895600"/>
@@ -6974,7 +7015,7 @@
                           <a:cs typeface="Arial"/>
                           <a:sym typeface="Arial"/>
                         </a:rPr>
-                        <a:t>Apporach</a:t>
+                        <a:t>Approach</a:t>
                       </a:r>
                     </a:p>
                   </a:txBody>
@@ -7207,12 +7248,16 @@
                         <a:buNone/>
                       </a:pPr>
                       <a:r>
+                        <a:rPr lang="en-US" sz="1800"/>
+                        <a:t>Aggl</a:t>
+                      </a:r>
+                      <a:r>
                         <a:rPr b="0" i="0" lang="en-US" sz="1800" u="none" cap="none" strike="noStrike">
                           <a:solidFill>
                             <a:srgbClr val="000000"/>
                           </a:solidFill>
                         </a:rPr>
-                        <a:t>K-Means and hierarchical </a:t>
+                        <a:t>omerative</a:t>
                       </a:r>
                     </a:p>
                   </a:txBody>
@@ -7435,26 +7480,27 @@
                     </a:bodyPr>
                     <a:lstStyle/>
                     <a:p>
-                      <a:pPr indent="0" lvl="0" marL="0" marR="0" rtl="0" algn="ctr">
+                      <a:pPr lvl="0" rtl="0" algn="ctr">
                         <a:lnSpc>
                           <a:spcPct val="89000"/>
                         </a:lnSpc>
                         <a:spcBef>
                           <a:spcPts val="0"/>
                         </a:spcBef>
-                        <a:spcAft>
-                          <a:spcPts val="0"/>
-                        </a:spcAft>
                         <a:buClr>
-                          <a:srgbClr val="000000"/>
+                          <a:schemeClr val="dk1"/>
                         </a:buClr>
                         <a:buSzPct val="25000"/>
                         <a:buFont typeface="Arial"/>
                         <a:buNone/>
                       </a:pPr>
                       <a:r>
-                        <a:rPr lang="en-US" sz="1800"/>
-                        <a:t>Agglomerative</a:t>
+                        <a:rPr lang="en-US" sz="1800">
+                          <a:solidFill>
+                            <a:schemeClr val="dk1"/>
+                          </a:solidFill>
+                        </a:rPr>
+                        <a:t>K-Means</a:t>
                       </a:r>
                     </a:p>
                   </a:txBody>
@@ -8576,7 +8622,7 @@
                 <a:cs typeface="Libre Baskerville"/>
                 <a:sym typeface="Libre Baskerville"/>
               </a:rPr>
-              <a:t>y should cover relevant topics in the original corpus and diverse enough. </a:t>
+              <a:t>y should cover relevant topics in the original corpus and be diverse enough. </a:t>
             </a:r>
           </a:p>
           <a:p>
@@ -11310,7 +11356,7 @@
                 <a:cs typeface="Libre Baskerville"/>
                 <a:sym typeface="Libre Baskerville"/>
               </a:rPr>
-              <a:t>The dataset was fed into CLUTO to perform K-means and Hierarchical Clustering to obtain clusters referring to similar data.</a:t>
+              <a:t>The dataset was fed into CLUTO to perform K-means Clustering to obtain clusters referring to similar data.</a:t>
             </a:r>
           </a:p>
           <a:p>
@@ -11341,7 +11387,7 @@
                 <a:cs typeface="Libre Baskerville"/>
                 <a:sym typeface="Libre Baskerville"/>
               </a:rPr>
-              <a:t>We ran a Grid Search on the values of  and  to get the best optimal value to maximize the sub modular function.</a:t>
+              <a:t>We ran a Grid Search on the values to get the best optimal value to maximize the sub modular function.</a:t>
             </a:r>
           </a:p>
           <a:p>
@@ -11587,6 +11633,285 @@
 </file>
 
 <file path=ppt/theme/theme1.xml><?xml version="1.0" encoding="utf-8"?>
+<a:theme xmlns:a="http://schemas.openxmlformats.org/drawingml/2006/main" xmlns:r="http://schemas.openxmlformats.org/officeDocument/2006/relationships" name="Custom Theme">
+  <a:themeElements>
+    <a:clrScheme name="Default">
+      <a:dk1>
+        <a:srgbClr val="000000"/>
+      </a:dk1>
+      <a:lt1>
+        <a:srgbClr val="FFFFFF"/>
+      </a:lt1>
+      <a:dk2>
+        <a:srgbClr val="158158"/>
+      </a:dk2>
+      <a:lt2>
+        <a:srgbClr val="F3F3F3"/>
+      </a:lt2>
+      <a:accent1>
+        <a:srgbClr val="058DC7"/>
+      </a:accent1>
+      <a:accent2>
+        <a:srgbClr val="50B432"/>
+      </a:accent2>
+      <a:accent3>
+        <a:srgbClr val="ED561B"/>
+      </a:accent3>
+      <a:accent4>
+        <a:srgbClr val="EDEF00"/>
+      </a:accent4>
+      <a:accent5>
+        <a:srgbClr val="24CBE5"/>
+      </a:accent5>
+      <a:accent6>
+        <a:srgbClr val="64E572"/>
+      </a:accent6>
+      <a:hlink>
+        <a:srgbClr val="2200CC"/>
+      </a:hlink>
+      <a:folHlink>
+        <a:srgbClr val="551A8B"/>
+      </a:folHlink>
+    </a:clrScheme>
+    <a:fontScheme name="Office">
+      <a:majorFont>
+        <a:latin typeface="Arial"/>
+        <a:ea typeface=""/>
+        <a:cs typeface=""/>
+        <a:font script="Jpan" typeface="ＭＳ Ｐゴシック"/>
+        <a:font script="Hang" typeface="맑은 고딕"/>
+        <a:font script="Hans" typeface="宋体"/>
+        <a:font script="Hant" typeface="新細明體"/>
+        <a:font script="Arab" typeface="Times New Roman"/>
+        <a:font script="Hebr" typeface="Times New Roman"/>
+        <a:font script="Thai" typeface="Angsana New"/>
+        <a:font script="Ethi" typeface="Nyala"/>
+        <a:font script="Beng" typeface="Vrinda"/>
+        <a:font script="Gujr" typeface="Shruti"/>
+        <a:font script="Khmr" typeface="MoolBoran"/>
+        <a:font script="Knda" typeface="Tunga"/>
+        <a:font script="Guru" typeface="Raavi"/>
+        <a:font script="Cans" typeface="Euphemia"/>
+        <a:font script="Cher" typeface="Plantagenet Cherokee"/>
+        <a:font script="Yiii" typeface="Microsoft Yi Baiti"/>
+        <a:font script="Tibt" typeface="Microsoft Himalaya"/>
+        <a:font script="Thaa" typeface="MV Boli"/>
+        <a:font script="Deva" typeface="Mangal"/>
+        <a:font script="Telu" typeface="Gautami"/>
+        <a:font script="Taml" typeface="Latha"/>
+        <a:font script="Syrc" typeface="Estrangelo Edessa"/>
+        <a:font script="Orya" typeface="Kalinga"/>
+        <a:font script="Mlym" typeface="Kartika"/>
+        <a:font script="Laoo" typeface="DokChampa"/>
+        <a:font script="Sinh" typeface="Iskoola Pota"/>
+        <a:font script="Mong" typeface="Mongolian Baiti"/>
+        <a:font script="Viet" typeface="Times New Roman"/>
+        <a:font script="Uigh" typeface="Microsoft Uighur"/>
+        <a:font script="Geor" typeface="Sylfaen"/>
+      </a:majorFont>
+      <a:minorFont>
+        <a:latin typeface="Arial"/>
+        <a:ea typeface=""/>
+        <a:cs typeface=""/>
+        <a:font script="Jpan" typeface="ＭＳ Ｐゴシック"/>
+        <a:font script="Hang" typeface="맑은 고딕"/>
+        <a:font script="Hans" typeface="宋体"/>
+        <a:font script="Hant" typeface="新細明體"/>
+        <a:font script="Arab" typeface="Arial"/>
+        <a:font script="Hebr" typeface="Arial"/>
+        <a:font script="Thai" typeface="Cordia New"/>
+        <a:font script="Ethi" typeface="Nyala"/>
+        <a:font script="Beng" typeface="Vrinda"/>
+        <a:font script="Gujr" typeface="Shruti"/>
+        <a:font script="Khmr" typeface="DaunPenh"/>
+        <a:font script="Knda" typeface="Tunga"/>
+        <a:font script="Guru" typeface="Raavi"/>
+        <a:font script="Cans" typeface="Euphemia"/>
+        <a:font script="Cher" typeface="Plantagenet Cherokee"/>
+        <a:font script="Yiii" typeface="Microsoft Yi Baiti"/>
+        <a:font script="Tibt" typeface="Microsoft Himalaya"/>
+        <a:font script="Thaa" typeface="MV Boli"/>
+        <a:font script="Deva" typeface="Mangal"/>
+        <a:font script="Telu" typeface="Gautami"/>
+        <a:font script="Taml" typeface="Latha"/>
+        <a:font script="Syrc" typeface="Estrangelo Edessa"/>
+        <a:font script="Orya" typeface="Kalinga"/>
+        <a:font script="Mlym" typeface="Kartika"/>
+        <a:font script="Laoo" typeface="DokChampa"/>
+        <a:font script="Sinh" typeface="Iskoola Pota"/>
+        <a:font script="Mong" typeface="Mongolian Baiti"/>
+        <a:font script="Viet" typeface="Arial"/>
+        <a:font script="Uigh" typeface="Microsoft Uighur"/>
+        <a:font script="Geor" typeface="Sylfaen"/>
+      </a:minorFont>
+    </a:fontScheme>
+    <a:fmtScheme name="Office">
+      <a:fillStyleLst>
+        <a:solidFill>
+          <a:schemeClr val="phClr"/>
+        </a:solidFill>
+        <a:gradFill rotWithShape="1">
+          <a:gsLst>
+            <a:gs pos="0">
+              <a:schemeClr val="phClr">
+                <a:tint val="50000"/>
+                <a:satMod val="300000"/>
+              </a:schemeClr>
+            </a:gs>
+            <a:gs pos="35000">
+              <a:schemeClr val="phClr">
+                <a:tint val="37000"/>
+                <a:satMod val="300000"/>
+              </a:schemeClr>
+            </a:gs>
+            <a:gs pos="100000">
+              <a:schemeClr val="phClr">
+                <a:tint val="15000"/>
+                <a:satMod val="350000"/>
+              </a:schemeClr>
+            </a:gs>
+          </a:gsLst>
+          <a:lin ang="16200000" scaled="1"/>
+        </a:gradFill>
+        <a:gradFill rotWithShape="1">
+          <a:gsLst>
+            <a:gs pos="0">
+              <a:schemeClr val="phClr">
+                <a:tint val="100000"/>
+                <a:shade val="100000"/>
+                <a:satMod val="130000"/>
+              </a:schemeClr>
+            </a:gs>
+            <a:gs pos="100000">
+              <a:schemeClr val="phClr">
+                <a:tint val="50000"/>
+                <a:shade val="100000"/>
+                <a:satMod val="350000"/>
+              </a:schemeClr>
+            </a:gs>
+          </a:gsLst>
+          <a:lin ang="16200000" scaled="0"/>
+        </a:gradFill>
+      </a:fillStyleLst>
+      <a:lnStyleLst>
+        <a:ln w="9525" cap="flat" cmpd="sng" algn="ctr">
+          <a:solidFill>
+            <a:schemeClr val="phClr">
+              <a:shade val="95000"/>
+              <a:satMod val="105000"/>
+            </a:schemeClr>
+          </a:solidFill>
+          <a:prstDash val="solid"/>
+        </a:ln>
+        <a:ln w="25400" cap="flat" cmpd="sng" algn="ctr">
+          <a:solidFill>
+            <a:schemeClr val="phClr"/>
+          </a:solidFill>
+          <a:prstDash val="solid"/>
+        </a:ln>
+        <a:ln w="38100" cap="flat" cmpd="sng" algn="ctr">
+          <a:solidFill>
+            <a:schemeClr val="phClr"/>
+          </a:solidFill>
+          <a:prstDash val="solid"/>
+        </a:ln>
+      </a:lnStyleLst>
+      <a:effectStyleLst>
+        <a:effectStyle>
+          <a:effectLst>
+            <a:outerShdw blurRad="40000" dist="20000" dir="5400000" rotWithShape="0">
+              <a:srgbClr val="000000">
+                <a:alpha val="38000"/>
+              </a:srgbClr>
+            </a:outerShdw>
+          </a:effectLst>
+        </a:effectStyle>
+        <a:effectStyle>
+          <a:effectLst>
+            <a:outerShdw blurRad="40000" dist="23000" dir="5400000" rotWithShape="0">
+              <a:srgbClr val="000000">
+                <a:alpha val="35000"/>
+              </a:srgbClr>
+            </a:outerShdw>
+          </a:effectLst>
+        </a:effectStyle>
+        <a:effectStyle>
+          <a:effectLst>
+            <a:outerShdw blurRad="40000" dist="23000" dir="5400000" rotWithShape="0">
+              <a:srgbClr val="000000">
+                <a:alpha val="35000"/>
+              </a:srgbClr>
+            </a:outerShdw>
+          </a:effectLst>
+          <a:scene3d>
+            <a:camera prst="orthographicFront">
+              <a:rot lat="0" lon="0" rev="0"/>
+            </a:camera>
+            <a:lightRig rig="threePt" dir="t">
+              <a:rot lat="0" lon="0" rev="1200000"/>
+            </a:lightRig>
+          </a:scene3d>
+          <a:sp3d>
+            <a:bevelT w="63500" h="25400"/>
+          </a:sp3d>
+        </a:effectStyle>
+      </a:effectStyleLst>
+      <a:bgFillStyleLst>
+        <a:solidFill>
+          <a:schemeClr val="phClr"/>
+        </a:solidFill>
+        <a:gradFill rotWithShape="1">
+          <a:gsLst>
+            <a:gs pos="0">
+              <a:schemeClr val="phClr">
+                <a:tint val="40000"/>
+                <a:satMod val="350000"/>
+              </a:schemeClr>
+            </a:gs>
+            <a:gs pos="40000">
+              <a:schemeClr val="phClr">
+                <a:tint val="45000"/>
+                <a:shade val="99000"/>
+                <a:satMod val="350000"/>
+              </a:schemeClr>
+            </a:gs>
+            <a:gs pos="100000">
+              <a:schemeClr val="phClr">
+                <a:shade val="20000"/>
+                <a:satMod val="255000"/>
+              </a:schemeClr>
+            </a:gs>
+          </a:gsLst>
+          <a:path path="circle">
+            <a:fillToRect l="50000" t="-80000" r="50000" b="180000"/>
+          </a:path>
+        </a:gradFill>
+        <a:gradFill rotWithShape="1">
+          <a:gsLst>
+            <a:gs pos="0">
+              <a:schemeClr val="phClr">
+                <a:tint val="80000"/>
+                <a:satMod val="300000"/>
+              </a:schemeClr>
+            </a:gs>
+            <a:gs pos="100000">
+              <a:schemeClr val="phClr">
+                <a:shade val="30000"/>
+                <a:satMod val="200000"/>
+              </a:schemeClr>
+            </a:gs>
+          </a:gsLst>
+          <a:path path="circle">
+            <a:fillToRect l="50000" t="50000" r="50000" b="50000"/>
+          </a:path>
+        </a:gradFill>
+      </a:bgFillStyleLst>
+    </a:fmtScheme>
+  </a:themeElements>
+</a:theme>
+</file>
+
+<file path=ppt/theme/theme2.xml><?xml version="1.0" encoding="utf-8"?>
 <a:theme xmlns:a="http://schemas.openxmlformats.org/drawingml/2006/main" xmlns:r="http://schemas.openxmlformats.org/officeDocument/2006/relationships" name="POI_THEME_TEMPLATE_DESIGN">
   <a:themeElements>
     <a:clrScheme name="POI_THEME_TEMPLATE_DESIGN">
@@ -11863,283 +12188,4 @@
     </a:fmtScheme>
   </a:themeElements>
 </a:theme>
-</file>
-
-<file path=ppt/theme/theme2.xml><?xml version="1.0" encoding="utf-8"?>
-<a:theme xmlns:a="http://schemas.openxmlformats.org/drawingml/2006/main" xmlns:r="http://schemas.openxmlformats.org/officeDocument/2006/relationships" name="Custom Theme">
-  <a:themeElements>
-    <a:clrScheme name="Default">
-      <a:dk1>
-        <a:srgbClr val="000000"/>
-      </a:dk1>
-      <a:lt1>
-        <a:srgbClr val="FFFFFF"/>
-      </a:lt1>
-      <a:dk2>
-        <a:srgbClr val="158158"/>
-      </a:dk2>
-      <a:lt2>
-        <a:srgbClr val="F3F3F3"/>
-      </a:lt2>
-      <a:accent1>
-        <a:srgbClr val="058DC7"/>
-      </a:accent1>
-      <a:accent2>
-        <a:srgbClr val="50B432"/>
-      </a:accent2>
-      <a:accent3>
-        <a:srgbClr val="ED561B"/>
-      </a:accent3>
-      <a:accent4>
-        <a:srgbClr val="EDEF00"/>
-      </a:accent4>
-      <a:accent5>
-        <a:srgbClr val="24CBE5"/>
-      </a:accent5>
-      <a:accent6>
-        <a:srgbClr val="64E572"/>
-      </a:accent6>
-      <a:hlink>
-        <a:srgbClr val="2200CC"/>
-      </a:hlink>
-      <a:folHlink>
-        <a:srgbClr val="551A8B"/>
-      </a:folHlink>
-    </a:clrScheme>
-    <a:fontScheme name="Office">
-      <a:majorFont>
-        <a:latin typeface="Arial"/>
-        <a:ea typeface=""/>
-        <a:cs typeface=""/>
-        <a:font script="Jpan" typeface="ＭＳ Ｐゴシック"/>
-        <a:font script="Hang" typeface="맑은 고딕"/>
-        <a:font script="Hans" typeface="宋体"/>
-        <a:font script="Hant" typeface="新細明體"/>
-        <a:font script="Arab" typeface="Times New Roman"/>
-        <a:font script="Hebr" typeface="Times New Roman"/>
-        <a:font script="Thai" typeface="Angsana New"/>
-        <a:font script="Ethi" typeface="Nyala"/>
-        <a:font script="Beng" typeface="Vrinda"/>
-        <a:font script="Gujr" typeface="Shruti"/>
-        <a:font script="Khmr" typeface="MoolBoran"/>
-        <a:font script="Knda" typeface="Tunga"/>
-        <a:font script="Guru" typeface="Raavi"/>
-        <a:font script="Cans" typeface="Euphemia"/>
-        <a:font script="Cher" typeface="Plantagenet Cherokee"/>
-        <a:font script="Yiii" typeface="Microsoft Yi Baiti"/>
-        <a:font script="Tibt" typeface="Microsoft Himalaya"/>
-        <a:font script="Thaa" typeface="MV Boli"/>
-        <a:font script="Deva" typeface="Mangal"/>
-        <a:font script="Telu" typeface="Gautami"/>
-        <a:font script="Taml" typeface="Latha"/>
-        <a:font script="Syrc" typeface="Estrangelo Edessa"/>
-        <a:font script="Orya" typeface="Kalinga"/>
-        <a:font script="Mlym" typeface="Kartika"/>
-        <a:font script="Laoo" typeface="DokChampa"/>
-        <a:font script="Sinh" typeface="Iskoola Pota"/>
-        <a:font script="Mong" typeface="Mongolian Baiti"/>
-        <a:font script="Viet" typeface="Times New Roman"/>
-        <a:font script="Uigh" typeface="Microsoft Uighur"/>
-        <a:font script="Geor" typeface="Sylfaen"/>
-      </a:majorFont>
-      <a:minorFont>
-        <a:latin typeface="Arial"/>
-        <a:ea typeface=""/>
-        <a:cs typeface=""/>
-        <a:font script="Jpan" typeface="ＭＳ Ｐゴシック"/>
-        <a:font script="Hang" typeface="맑은 고딕"/>
-        <a:font script="Hans" typeface="宋体"/>
-        <a:font script="Hant" typeface="新細明體"/>
-        <a:font script="Arab" typeface="Arial"/>
-        <a:font script="Hebr" typeface="Arial"/>
-        <a:font script="Thai" typeface="Cordia New"/>
-        <a:font script="Ethi" typeface="Nyala"/>
-        <a:font script="Beng" typeface="Vrinda"/>
-        <a:font script="Gujr" typeface="Shruti"/>
-        <a:font script="Khmr" typeface="DaunPenh"/>
-        <a:font script="Knda" typeface="Tunga"/>
-        <a:font script="Guru" typeface="Raavi"/>
-        <a:font script="Cans" typeface="Euphemia"/>
-        <a:font script="Cher" typeface="Plantagenet Cherokee"/>
-        <a:font script="Yiii" typeface="Microsoft Yi Baiti"/>
-        <a:font script="Tibt" typeface="Microsoft Himalaya"/>
-        <a:font script="Thaa" typeface="MV Boli"/>
-        <a:font script="Deva" typeface="Mangal"/>
-        <a:font script="Telu" typeface="Gautami"/>
-        <a:font script="Taml" typeface="Latha"/>
-        <a:font script="Syrc" typeface="Estrangelo Edessa"/>
-        <a:font script="Orya" typeface="Kalinga"/>
-        <a:font script="Mlym" typeface="Kartika"/>
-        <a:font script="Laoo" typeface="DokChampa"/>
-        <a:font script="Sinh" typeface="Iskoola Pota"/>
-        <a:font script="Mong" typeface="Mongolian Baiti"/>
-        <a:font script="Viet" typeface="Arial"/>
-        <a:font script="Uigh" typeface="Microsoft Uighur"/>
-        <a:font script="Geor" typeface="Sylfaen"/>
-      </a:minorFont>
-    </a:fontScheme>
-    <a:fmtScheme name="Office">
-      <a:fillStyleLst>
-        <a:solidFill>
-          <a:schemeClr val="phClr"/>
-        </a:solidFill>
-        <a:gradFill rotWithShape="1">
-          <a:gsLst>
-            <a:gs pos="0">
-              <a:schemeClr val="phClr">
-                <a:tint val="50000"/>
-                <a:satMod val="300000"/>
-              </a:schemeClr>
-            </a:gs>
-            <a:gs pos="35000">
-              <a:schemeClr val="phClr">
-                <a:tint val="37000"/>
-                <a:satMod val="300000"/>
-              </a:schemeClr>
-            </a:gs>
-            <a:gs pos="100000">
-              <a:schemeClr val="phClr">
-                <a:tint val="15000"/>
-                <a:satMod val="350000"/>
-              </a:schemeClr>
-            </a:gs>
-          </a:gsLst>
-          <a:lin ang="16200000" scaled="1"/>
-        </a:gradFill>
-        <a:gradFill rotWithShape="1">
-          <a:gsLst>
-            <a:gs pos="0">
-              <a:schemeClr val="phClr">
-                <a:tint val="100000"/>
-                <a:shade val="100000"/>
-                <a:satMod val="130000"/>
-              </a:schemeClr>
-            </a:gs>
-            <a:gs pos="100000">
-              <a:schemeClr val="phClr">
-                <a:tint val="50000"/>
-                <a:shade val="100000"/>
-                <a:satMod val="350000"/>
-              </a:schemeClr>
-            </a:gs>
-          </a:gsLst>
-          <a:lin ang="16200000" scaled="0"/>
-        </a:gradFill>
-      </a:fillStyleLst>
-      <a:lnStyleLst>
-        <a:ln w="9525" cap="flat" cmpd="sng" algn="ctr">
-          <a:solidFill>
-            <a:schemeClr val="phClr">
-              <a:shade val="95000"/>
-              <a:satMod val="105000"/>
-            </a:schemeClr>
-          </a:solidFill>
-          <a:prstDash val="solid"/>
-        </a:ln>
-        <a:ln w="25400" cap="flat" cmpd="sng" algn="ctr">
-          <a:solidFill>
-            <a:schemeClr val="phClr"/>
-          </a:solidFill>
-          <a:prstDash val="solid"/>
-        </a:ln>
-        <a:ln w="38100" cap="flat" cmpd="sng" algn="ctr">
-          <a:solidFill>
-            <a:schemeClr val="phClr"/>
-          </a:solidFill>
-          <a:prstDash val="solid"/>
-        </a:ln>
-      </a:lnStyleLst>
-      <a:effectStyleLst>
-        <a:effectStyle>
-          <a:effectLst>
-            <a:outerShdw blurRad="40000" dist="20000" dir="5400000" rotWithShape="0">
-              <a:srgbClr val="000000">
-                <a:alpha val="38000"/>
-              </a:srgbClr>
-            </a:outerShdw>
-          </a:effectLst>
-        </a:effectStyle>
-        <a:effectStyle>
-          <a:effectLst>
-            <a:outerShdw blurRad="40000" dist="23000" dir="5400000" rotWithShape="0">
-              <a:srgbClr val="000000">
-                <a:alpha val="35000"/>
-              </a:srgbClr>
-            </a:outerShdw>
-          </a:effectLst>
-        </a:effectStyle>
-        <a:effectStyle>
-          <a:effectLst>
-            <a:outerShdw blurRad="40000" dist="23000" dir="5400000" rotWithShape="0">
-              <a:srgbClr val="000000">
-                <a:alpha val="35000"/>
-              </a:srgbClr>
-            </a:outerShdw>
-          </a:effectLst>
-          <a:scene3d>
-            <a:camera prst="orthographicFront">
-              <a:rot lat="0" lon="0" rev="0"/>
-            </a:camera>
-            <a:lightRig rig="threePt" dir="t">
-              <a:rot lat="0" lon="0" rev="1200000"/>
-            </a:lightRig>
-          </a:scene3d>
-          <a:sp3d>
-            <a:bevelT w="63500" h="25400"/>
-          </a:sp3d>
-        </a:effectStyle>
-      </a:effectStyleLst>
-      <a:bgFillStyleLst>
-        <a:solidFill>
-          <a:schemeClr val="phClr"/>
-        </a:solidFill>
-        <a:gradFill rotWithShape="1">
-          <a:gsLst>
-            <a:gs pos="0">
-              <a:schemeClr val="phClr">
-                <a:tint val="40000"/>
-                <a:satMod val="350000"/>
-              </a:schemeClr>
-            </a:gs>
-            <a:gs pos="40000">
-              <a:schemeClr val="phClr">
-                <a:tint val="45000"/>
-                <a:shade val="99000"/>
-                <a:satMod val="350000"/>
-              </a:schemeClr>
-            </a:gs>
-            <a:gs pos="100000">
-              <a:schemeClr val="phClr">
-                <a:shade val="20000"/>
-                <a:satMod val="255000"/>
-              </a:schemeClr>
-            </a:gs>
-          </a:gsLst>
-          <a:path path="circle">
-            <a:fillToRect l="50000" t="-80000" r="50000" b="180000"/>
-          </a:path>
-        </a:gradFill>
-        <a:gradFill rotWithShape="1">
-          <a:gsLst>
-            <a:gs pos="0">
-              <a:schemeClr val="phClr">
-                <a:tint val="80000"/>
-                <a:satMod val="300000"/>
-              </a:schemeClr>
-            </a:gs>
-            <a:gs pos="100000">
-              <a:schemeClr val="phClr">
-                <a:shade val="30000"/>
-                <a:satMod val="200000"/>
-              </a:schemeClr>
-            </a:gs>
-          </a:gsLst>
-          <a:path path="circle">
-            <a:fillToRect l="50000" t="50000" r="50000" b="50000"/>
-          </a:path>
-        </a:gradFill>
-      </a:bgFillStyleLst>
-    </a:fmtScheme>
-  </a:themeElements>
-</a:theme>
 </file>